--- a/ppt/算法讲解100【扩展】 KMP算法原理和代码详解.pptx
+++ b/ppt/算法讲解100【扩展】 KMP算法原理和代码详解.pptx
@@ -4062,7 +4062,7 @@
               </a:defRPr>
             </a:pPr>
             <a:r>
-              <a:t>下期为 KMP算法相关题目</a:t>
+              <a:t>下期为 KMP算法相关题目、扩展KMP</a:t>
             </a:r>
           </a:p>
           <a:p>
@@ -4571,7 +4571,7 @@
               </a:defRPr>
             </a:pPr>
             <a:r>
-              <a:t>很多题目中都有next数组的使用，具体请看下期，KMP算法相关题目</a:t>
+              <a:t>很多题目中都有next数组的使用，具体请看下期 - KMP算法相关题目、扩展KMP</a:t>
             </a:r>
           </a:p>
         </p:txBody>

--- a/ppt/算法讲解100【扩展】 KMP算法原理和代码详解.pptx
+++ b/ppt/算法讲解100【扩展】 KMP算法原理和代码详解.pptx
@@ -4062,7 +4062,7 @@
               </a:defRPr>
             </a:pPr>
             <a:r>
-              <a:t>下期为 KMP算法相关题目、扩展KMP</a:t>
+              <a:t>下期为 KMP算法相关题目</a:t>
             </a:r>
           </a:p>
           <a:p>
@@ -4571,7 +4571,7 @@
               </a:defRPr>
             </a:pPr>
             <a:r>
-              <a:t>很多题目中都有next数组的使用，具体请看下期 - KMP算法相关题目、扩展KMP</a:t>
+              <a:t>很多题目中都有next数组的使用，具体请看下期 - KMP算法相关题目</a:t>
             </a:r>
           </a:p>
         </p:txBody>
